--- a/SM2024.pptx
+++ b/SM2024.pptx
@@ -297,7 +297,7 @@
           <a:p>
             <a:fld id="{12575099-B3AD-44D7-919B-BCB6DC3E7F21}" type="datetimeFigureOut">
               <a:rPr lang="en-US" dirty="0"/>
-              <a:t>12/14/2024</a:t>
+              <a:t>12/15/2024</a:t>
             </a:fld>
             <a:endParaRPr lang="en-US" dirty="0"/>
           </a:p>
@@ -504,7 +504,7 @@
           <a:p>
             <a:fld id="{F18115DA-6CBC-4AEF-A85F-371C66916CF8}" type="datetimeFigureOut">
               <a:rPr lang="en-US" dirty="0"/>
-              <a:t>12/14/2024</a:t>
+              <a:t>12/15/2024</a:t>
             </a:fld>
             <a:endParaRPr lang="en-US" dirty="0"/>
           </a:p>
@@ -721,7 +721,7 @@
           <a:p>
             <a:fld id="{2A6007E4-95E8-4ABC-B20B-51235318A487}" type="datetimeFigureOut">
               <a:rPr lang="en-US" dirty="0"/>
-              <a:t>12/14/2024</a:t>
+              <a:t>12/15/2024</a:t>
             </a:fld>
             <a:endParaRPr lang="en-US" dirty="0"/>
           </a:p>
@@ -928,7 +928,7 @@
           <a:p>
             <a:fld id="{2A4BF121-2723-4D35-ADA9-215CD054C4BC}" type="datetimeFigureOut">
               <a:rPr lang="en-US" dirty="0"/>
-              <a:t>12/14/2024</a:t>
+              <a:t>12/15/2024</a:t>
             </a:fld>
             <a:endParaRPr lang="en-US" dirty="0"/>
           </a:p>
@@ -1212,7 +1212,7 @@
           <a:p>
             <a:fld id="{C54F54BA-4BC6-480F-839C-951A49B248A9}" type="datetimeFigureOut">
               <a:rPr lang="en-US" dirty="0"/>
-              <a:t>12/14/2024</a:t>
+              <a:t>12/15/2024</a:t>
             </a:fld>
             <a:endParaRPr lang="en-US" dirty="0"/>
           </a:p>
@@ -1491,7 +1491,7 @@
           <a:p>
             <a:fld id="{0F9DD0EA-4726-4440-BF9D-E88296FC3068}" type="datetimeFigureOut">
               <a:rPr lang="en-US" dirty="0"/>
-              <a:t>12/14/2024</a:t>
+              <a:t>12/15/2024</a:t>
             </a:fld>
             <a:endParaRPr lang="en-US" dirty="0"/>
           </a:p>
@@ -1920,7 +1920,7 @@
           <a:p>
             <a:fld id="{19CAD10D-99D1-46B2-A85A-C16850FCF8CF}" type="datetimeFigureOut">
               <a:rPr lang="en-US" dirty="0"/>
-              <a:t>12/14/2024</a:t>
+              <a:t>12/15/2024</a:t>
             </a:fld>
             <a:endParaRPr lang="en-US" dirty="0"/>
           </a:p>
@@ -2065,7 +2065,7 @@
           <a:p>
             <a:fld id="{48C67E51-34D6-4E3D-8F41-CC63EA446EDD}" type="datetimeFigureOut">
               <a:rPr lang="en-US" dirty="0"/>
-              <a:t>12/14/2024</a:t>
+              <a:t>12/15/2024</a:t>
             </a:fld>
             <a:endParaRPr lang="en-US" dirty="0"/>
           </a:p>
@@ -2182,7 +2182,7 @@
           <a:p>
             <a:fld id="{8D49E550-CE3F-497F-B953-7DE0932F91C0}" type="datetimeFigureOut">
               <a:rPr lang="en-US" dirty="0"/>
-              <a:t>12/14/2024</a:t>
+              <a:t>12/15/2024</a:t>
             </a:fld>
             <a:endParaRPr lang="en-US" dirty="0"/>
           </a:p>
@@ -2497,7 +2497,7 @@
           <a:p>
             <a:fld id="{217A0BF4-BAA0-4539-95F2-9C4277F97478}" type="datetimeFigureOut">
               <a:rPr lang="en-US" dirty="0"/>
-              <a:t>12/14/2024</a:t>
+              <a:t>12/15/2024</a:t>
             </a:fld>
             <a:endParaRPr lang="en-US" dirty="0"/>
           </a:p>
@@ -2794,7 +2794,7 @@
           <a:p>
             <a:fld id="{52E9884E-D945-496C-84BE-49C61F78F9EC}" type="datetimeFigureOut">
               <a:rPr lang="en-US" dirty="0"/>
-              <a:t>12/14/2024</a:t>
+              <a:t>12/15/2024</a:t>
             </a:fld>
             <a:endParaRPr lang="en-US" dirty="0"/>
           </a:p>
@@ -3043,7 +3043,7 @@
           <a:p>
             <a:fld id="{CD438618-DEE5-47CF-A8B2-A9E090D503CD}" type="datetimeFigureOut">
               <a:rPr lang="en-US" dirty="0"/>
-              <a:t>12/14/2024</a:t>
+              <a:t>12/15/2024</a:t>
             </a:fld>
             <a:endParaRPr lang="en-US" dirty="0"/>
           </a:p>
@@ -4991,6 +4991,36 @@
           </a:p>
         </p:txBody>
       </p:sp>
+      <p:pic>
+        <p:nvPicPr>
+          <p:cNvPr id="5" name="Picture 4">
+            <a:extLst>
+              <a:ext uri="{FF2B5EF4-FFF2-40B4-BE49-F238E27FC236}">
+                <a16:creationId xmlns:a16="http://schemas.microsoft.com/office/drawing/2014/main" id="{8427C105-4CC9-5BC1-FA43-B568766B315D}"/>
+              </a:ext>
+            </a:extLst>
+          </p:cNvPr>
+          <p:cNvPicPr>
+            <a:picLocks noChangeAspect="1"/>
+          </p:cNvPicPr>
+          <p:nvPr/>
+        </p:nvPicPr>
+        <p:blipFill>
+          <a:blip r:embed="rId2"/>
+          <a:stretch>
+            <a:fillRect/>
+          </a:stretch>
+        </p:blipFill>
+        <p:spPr>
+          <a:xfrm>
+            <a:off x="1079174" y="4416458"/>
+            <a:ext cx="2837418" cy="1519446"/>
+          </a:xfrm>
+          <a:prstGeom prst="rect">
+            <a:avLst/>
+          </a:prstGeom>
+        </p:spPr>
+      </p:pic>
     </p:spTree>
     <p:extLst>
       <p:ext uri="{BB962C8B-B14F-4D97-AF65-F5344CB8AC3E}">

--- a/SM2024.pptx
+++ b/SM2024.pptx
@@ -23,7 +23,7 @@
     <p:sldId id="268" r:id="rId17"/>
     <p:sldId id="269" r:id="rId18"/>
     <p:sldId id="270" r:id="rId19"/>
-    <p:sldId id="271" r:id="rId20"/>
+    <p:sldId id="282" r:id="rId20"/>
     <p:sldId id="272" r:id="rId21"/>
     <p:sldId id="275" r:id="rId22"/>
     <p:sldId id="276" r:id="rId23"/>
@@ -297,7 +297,7 @@
           <a:p>
             <a:fld id="{12575099-B3AD-44D7-919B-BCB6DC3E7F21}" type="datetimeFigureOut">
               <a:rPr lang="en-US" dirty="0"/>
-              <a:t>12/15/2024</a:t>
+              <a:t>12/16/2024</a:t>
             </a:fld>
             <a:endParaRPr lang="en-US" dirty="0"/>
           </a:p>
@@ -504,7 +504,7 @@
           <a:p>
             <a:fld id="{F18115DA-6CBC-4AEF-A85F-371C66916CF8}" type="datetimeFigureOut">
               <a:rPr lang="en-US" dirty="0"/>
-              <a:t>12/15/2024</a:t>
+              <a:t>12/16/2024</a:t>
             </a:fld>
             <a:endParaRPr lang="en-US" dirty="0"/>
           </a:p>
@@ -721,7 +721,7 @@
           <a:p>
             <a:fld id="{2A6007E4-95E8-4ABC-B20B-51235318A487}" type="datetimeFigureOut">
               <a:rPr lang="en-US" dirty="0"/>
-              <a:t>12/15/2024</a:t>
+              <a:t>12/16/2024</a:t>
             </a:fld>
             <a:endParaRPr lang="en-US" dirty="0"/>
           </a:p>
@@ -928,7 +928,7 @@
           <a:p>
             <a:fld id="{2A4BF121-2723-4D35-ADA9-215CD054C4BC}" type="datetimeFigureOut">
               <a:rPr lang="en-US" dirty="0"/>
-              <a:t>12/15/2024</a:t>
+              <a:t>12/16/2024</a:t>
             </a:fld>
             <a:endParaRPr lang="en-US" dirty="0"/>
           </a:p>
@@ -1212,7 +1212,7 @@
           <a:p>
             <a:fld id="{C54F54BA-4BC6-480F-839C-951A49B248A9}" type="datetimeFigureOut">
               <a:rPr lang="en-US" dirty="0"/>
-              <a:t>12/15/2024</a:t>
+              <a:t>12/16/2024</a:t>
             </a:fld>
             <a:endParaRPr lang="en-US" dirty="0"/>
           </a:p>
@@ -1491,7 +1491,7 @@
           <a:p>
             <a:fld id="{0F9DD0EA-4726-4440-BF9D-E88296FC3068}" type="datetimeFigureOut">
               <a:rPr lang="en-US" dirty="0"/>
-              <a:t>12/15/2024</a:t>
+              <a:t>12/16/2024</a:t>
             </a:fld>
             <a:endParaRPr lang="en-US" dirty="0"/>
           </a:p>
@@ -1920,7 +1920,7 @@
           <a:p>
             <a:fld id="{19CAD10D-99D1-46B2-A85A-C16850FCF8CF}" type="datetimeFigureOut">
               <a:rPr lang="en-US" dirty="0"/>
-              <a:t>12/15/2024</a:t>
+              <a:t>12/16/2024</a:t>
             </a:fld>
             <a:endParaRPr lang="en-US" dirty="0"/>
           </a:p>
@@ -2065,7 +2065,7 @@
           <a:p>
             <a:fld id="{48C67E51-34D6-4E3D-8F41-CC63EA446EDD}" type="datetimeFigureOut">
               <a:rPr lang="en-US" dirty="0"/>
-              <a:t>12/15/2024</a:t>
+              <a:t>12/16/2024</a:t>
             </a:fld>
             <a:endParaRPr lang="en-US" dirty="0"/>
           </a:p>
@@ -2182,7 +2182,7 @@
           <a:p>
             <a:fld id="{8D49E550-CE3F-497F-B953-7DE0932F91C0}" type="datetimeFigureOut">
               <a:rPr lang="en-US" dirty="0"/>
-              <a:t>12/15/2024</a:t>
+              <a:t>12/16/2024</a:t>
             </a:fld>
             <a:endParaRPr lang="en-US" dirty="0"/>
           </a:p>
@@ -2497,7 +2497,7 @@
           <a:p>
             <a:fld id="{217A0BF4-BAA0-4539-95F2-9C4277F97478}" type="datetimeFigureOut">
               <a:rPr lang="en-US" dirty="0"/>
-              <a:t>12/15/2024</a:t>
+              <a:t>12/16/2024</a:t>
             </a:fld>
             <a:endParaRPr lang="en-US" dirty="0"/>
           </a:p>
@@ -2794,7 +2794,7 @@
           <a:p>
             <a:fld id="{52E9884E-D945-496C-84BE-49C61F78F9EC}" type="datetimeFigureOut">
               <a:rPr lang="en-US" dirty="0"/>
-              <a:t>12/15/2024</a:t>
+              <a:t>12/16/2024</a:t>
             </a:fld>
             <a:endParaRPr lang="en-US" dirty="0"/>
           </a:p>
@@ -3043,7 +3043,7 @@
           <a:p>
             <a:fld id="{CD438618-DEE5-47CF-A8B2-A9E090D503CD}" type="datetimeFigureOut">
               <a:rPr lang="en-US" dirty="0"/>
-              <a:t>12/15/2024</a:t>
+              <a:t>12/16/2024</a:t>
             </a:fld>
             <a:endParaRPr lang="en-US" dirty="0"/>
           </a:p>
@@ -6198,7 +6198,7 @@
         <p:spPr>
           <a:xfrm>
             <a:off x="749571" y="2118355"/>
-            <a:ext cx="10691265" cy="3636088"/>
+            <a:ext cx="10691265" cy="2324691"/>
           </a:xfrm>
         </p:spPr>
         <p:txBody>
@@ -6208,442 +6208,125 @@
           <a:lstStyle/>
           <a:p>
             <a:pPr marL="0" indent="0">
+              <a:lnSpc>
+                <a:spcPct val="100000"/>
+              </a:lnSpc>
               <a:buNone/>
             </a:pPr>
             <a:r>
-              <a:rPr lang="it-IT" b="1" err="1">
-                <a:ea typeface="+mn-lt"/>
-                <a:cs typeface="+mn-lt"/>
-              </a:rPr>
-              <a:t>Results</a:t>
-            </a:r>
-            <a:r>
               <a:rPr lang="it-IT" b="1" dirty="0">
                 <a:ea typeface="+mn-lt"/>
                 <a:cs typeface="+mn-lt"/>
               </a:rPr>
-              <a:t>:</a:t>
+              <a:t>Results:</a:t>
             </a:r>
             <a:endParaRPr lang="it-IT" dirty="0"/>
           </a:p>
           <a:p>
-            <a:pPr lvl="1"/>
-            <a:r>
-              <a:rPr lang="it-IT" dirty="0" err="1">
-                <a:ea typeface="+mn-lt"/>
-                <a:cs typeface="+mn-lt"/>
-              </a:rPr>
-              <a:t>Grouped</a:t>
-            </a:r>
-            <a:r>
-              <a:rPr lang="it-IT" dirty="0">
-                <a:ea typeface="+mn-lt"/>
-                <a:cs typeface="+mn-lt"/>
-              </a:rPr>
-              <a:t> </a:t>
-            </a:r>
-            <a:r>
-              <a:rPr lang="it-IT" dirty="0" err="1">
-                <a:ea typeface="+mn-lt"/>
-                <a:cs typeface="+mn-lt"/>
-              </a:rPr>
-              <a:t>variables</a:t>
-            </a:r>
-            <a:r>
-              <a:rPr lang="it-IT" dirty="0">
-                <a:ea typeface="+mn-lt"/>
-                <a:cs typeface="+mn-lt"/>
-              </a:rPr>
-              <a:t> </a:t>
-            </a:r>
-            <a:r>
-              <a:rPr lang="it-IT" dirty="0" err="1">
-                <a:ea typeface="+mn-lt"/>
-                <a:cs typeface="+mn-lt"/>
-              </a:rPr>
-              <a:t>did</a:t>
-            </a:r>
-            <a:r>
-              <a:rPr lang="it-IT" dirty="0">
-                <a:ea typeface="+mn-lt"/>
-                <a:cs typeface="+mn-lt"/>
-              </a:rPr>
-              <a:t> </a:t>
-            </a:r>
-            <a:r>
-              <a:rPr lang="it-IT" dirty="0" err="1">
-                <a:ea typeface="+mn-lt"/>
-                <a:cs typeface="+mn-lt"/>
-              </a:rPr>
-              <a:t>not</a:t>
-            </a:r>
-            <a:r>
-              <a:rPr lang="it-IT" dirty="0">
-                <a:ea typeface="+mn-lt"/>
-                <a:cs typeface="+mn-lt"/>
-              </a:rPr>
-              <a:t> </a:t>
-            </a:r>
-            <a:r>
-              <a:rPr lang="it-IT" dirty="0" err="1">
-                <a:ea typeface="+mn-lt"/>
-                <a:cs typeface="+mn-lt"/>
-              </a:rPr>
-              <a:t>outperform</a:t>
-            </a:r>
-            <a:r>
-              <a:rPr lang="it-IT" dirty="0">
-                <a:ea typeface="+mn-lt"/>
-                <a:cs typeface="+mn-lt"/>
-              </a:rPr>
-              <a:t> </a:t>
-            </a:r>
-            <a:r>
-              <a:rPr lang="it-IT" dirty="0" err="1">
-                <a:ea typeface="+mn-lt"/>
-                <a:cs typeface="+mn-lt"/>
-              </a:rPr>
-              <a:t>individual</a:t>
-            </a:r>
-            <a:r>
-              <a:rPr lang="it-IT" dirty="0">
-                <a:ea typeface="+mn-lt"/>
-                <a:cs typeface="+mn-lt"/>
-              </a:rPr>
-              <a:t> </a:t>
-            </a:r>
-            <a:r>
-              <a:rPr lang="it-IT" dirty="0" err="1">
-                <a:ea typeface="+mn-lt"/>
-                <a:cs typeface="+mn-lt"/>
-              </a:rPr>
-              <a:t>predictors</a:t>
-            </a:r>
-            <a:r>
-              <a:rPr lang="it-IT" dirty="0">
-                <a:ea typeface="+mn-lt"/>
-                <a:cs typeface="+mn-lt"/>
-              </a:rPr>
-              <a:t>.</a:t>
-            </a:r>
-            <a:endParaRPr lang="it-IT"/>
-          </a:p>
-          <a:p>
-            <a:pPr lvl="1"/>
+            <a:pPr lvl="1">
+              <a:lnSpc>
+                <a:spcPct val="100000"/>
+              </a:lnSpc>
+            </a:pPr>
+            <a:r>
+              <a:rPr lang="it-IT" dirty="0">
+                <a:ea typeface="+mn-lt"/>
+                <a:cs typeface="+mn-lt"/>
+              </a:rPr>
+              <a:t>Grouped variables did not outperform individual predictors.</a:t>
+            </a:r>
+            <a:endParaRPr lang="it-IT" dirty="0"/>
+          </a:p>
+          <a:p>
+            <a:pPr lvl="1">
+              <a:lnSpc>
+                <a:spcPct val="100000"/>
+              </a:lnSpc>
+            </a:pPr>
             <a:endParaRPr lang="it-IT" dirty="0">
               <a:ea typeface="+mn-lt"/>
               <a:cs typeface="+mn-lt"/>
             </a:endParaRPr>
           </a:p>
           <a:p>
-            <a:pPr lvl="1"/>
-            <a:r>
-              <a:rPr lang="it-IT" dirty="0">
-                <a:ea typeface="+mn-lt"/>
-                <a:cs typeface="+mn-lt"/>
-              </a:rPr>
-              <a:t>Model </a:t>
-            </a:r>
-            <a:r>
-              <a:rPr lang="it-IT" dirty="0" err="1">
-                <a:ea typeface="+mn-lt"/>
-                <a:cs typeface="+mn-lt"/>
-              </a:rPr>
-              <a:t>struggled</a:t>
-            </a:r>
-            <a:r>
-              <a:rPr lang="it-IT" dirty="0">
-                <a:ea typeface="+mn-lt"/>
-                <a:cs typeface="+mn-lt"/>
-              </a:rPr>
-              <a:t> to </a:t>
-            </a:r>
-            <a:r>
-              <a:rPr lang="it-IT" dirty="0" err="1">
-                <a:ea typeface="+mn-lt"/>
-                <a:cs typeface="+mn-lt"/>
-              </a:rPr>
-              <a:t>capture</a:t>
-            </a:r>
-            <a:r>
-              <a:rPr lang="it-IT" dirty="0">
-                <a:ea typeface="+mn-lt"/>
-                <a:cs typeface="+mn-lt"/>
-              </a:rPr>
-              <a:t> </a:t>
-            </a:r>
-            <a:r>
-              <a:rPr lang="it-IT" dirty="0" err="1">
-                <a:ea typeface="+mn-lt"/>
-                <a:cs typeface="+mn-lt"/>
-              </a:rPr>
-              <a:t>any</a:t>
-            </a:r>
-            <a:r>
-              <a:rPr lang="it-IT" dirty="0">
-                <a:ea typeface="+mn-lt"/>
-                <a:cs typeface="+mn-lt"/>
-              </a:rPr>
-              <a:t> pattern </a:t>
-            </a:r>
-            <a:r>
-              <a:rPr lang="it-IT" dirty="0" err="1">
-                <a:ea typeface="+mn-lt"/>
-                <a:cs typeface="+mn-lt"/>
-              </a:rPr>
-              <a:t>at</a:t>
-            </a:r>
-            <a:r>
-              <a:rPr lang="it-IT" dirty="0">
-                <a:ea typeface="+mn-lt"/>
-                <a:cs typeface="+mn-lt"/>
-              </a:rPr>
-              <a:t> </a:t>
-            </a:r>
-            <a:r>
-              <a:rPr lang="it-IT" dirty="0" err="1">
-                <a:ea typeface="+mn-lt"/>
-                <a:cs typeface="+mn-lt"/>
-              </a:rPr>
-              <a:t>all</a:t>
-            </a:r>
-            <a:r>
-              <a:rPr lang="it-IT" dirty="0">
-                <a:ea typeface="+mn-lt"/>
-                <a:cs typeface="+mn-lt"/>
-              </a:rPr>
-              <a:t>.</a:t>
+            <a:pPr lvl="1">
+              <a:lnSpc>
+                <a:spcPct val="100000"/>
+              </a:lnSpc>
+            </a:pPr>
+            <a:r>
+              <a:rPr lang="it-IT" dirty="0">
+                <a:ea typeface="+mn-lt"/>
+                <a:cs typeface="+mn-lt"/>
+              </a:rPr>
+              <a:t>Model struggled to capture better patterns than the others.</a:t>
             </a:r>
             <a:endParaRPr lang="it-IT" dirty="0"/>
           </a:p>
           <a:p>
-            <a:pPr lvl="1"/>
-            <a:endParaRPr lang="it-IT" dirty="0">
-              <a:ea typeface="+mn-lt"/>
-              <a:cs typeface="+mn-lt"/>
-            </a:endParaRPr>
-          </a:p>
-          <a:p>
-            <a:pPr lvl="1"/>
-            <a:r>
-              <a:rPr lang="it-IT" dirty="0" err="1">
-                <a:ea typeface="+mn-lt"/>
-                <a:cs typeface="+mn-lt"/>
-              </a:rPr>
-              <a:t>Noise</a:t>
-            </a:r>
-            <a:r>
-              <a:rPr lang="it-IT" dirty="0">
-                <a:ea typeface="+mn-lt"/>
-                <a:cs typeface="+mn-lt"/>
-              </a:rPr>
-              <a:t> </a:t>
-            </a:r>
-            <a:r>
-              <a:rPr lang="it-IT" dirty="0" err="1">
-                <a:ea typeface="+mn-lt"/>
-                <a:cs typeface="+mn-lt"/>
-              </a:rPr>
-              <a:t>within</a:t>
-            </a:r>
-            <a:r>
-              <a:rPr lang="it-IT" dirty="0">
-                <a:ea typeface="+mn-lt"/>
-                <a:cs typeface="+mn-lt"/>
-              </a:rPr>
-              <a:t> </a:t>
-            </a:r>
-            <a:r>
-              <a:rPr lang="it-IT" dirty="0" err="1">
-                <a:ea typeface="+mn-lt"/>
-                <a:cs typeface="+mn-lt"/>
-              </a:rPr>
-              <a:t>grouped</a:t>
-            </a:r>
-            <a:r>
-              <a:rPr lang="it-IT" dirty="0">
-                <a:ea typeface="+mn-lt"/>
-                <a:cs typeface="+mn-lt"/>
-              </a:rPr>
-              <a:t> </a:t>
-            </a:r>
-            <a:r>
-              <a:rPr lang="it-IT" dirty="0" err="1">
-                <a:ea typeface="+mn-lt"/>
-                <a:cs typeface="+mn-lt"/>
-              </a:rPr>
-              <a:t>variables</a:t>
-            </a:r>
-            <a:r>
-              <a:rPr lang="it-IT" dirty="0">
-                <a:ea typeface="+mn-lt"/>
-                <a:cs typeface="+mn-lt"/>
-              </a:rPr>
-              <a:t> </a:t>
-            </a:r>
-            <a:r>
-              <a:rPr lang="it-IT" dirty="0" err="1">
-                <a:ea typeface="+mn-lt"/>
-                <a:cs typeface="+mn-lt"/>
-              </a:rPr>
-              <a:t>provided</a:t>
-            </a:r>
-            <a:r>
-              <a:rPr lang="it-IT" dirty="0">
-                <a:ea typeface="+mn-lt"/>
-                <a:cs typeface="+mn-lt"/>
-              </a:rPr>
-              <a:t> no </a:t>
-            </a:r>
-            <a:r>
-              <a:rPr lang="it-IT" dirty="0" err="1">
-                <a:ea typeface="+mn-lt"/>
-                <a:cs typeface="+mn-lt"/>
-              </a:rPr>
-              <a:t>predictive</a:t>
-            </a:r>
-            <a:r>
-              <a:rPr lang="it-IT" dirty="0">
-                <a:ea typeface="+mn-lt"/>
-                <a:cs typeface="+mn-lt"/>
-              </a:rPr>
-              <a:t> power.</a:t>
-            </a:r>
-            <a:endParaRPr lang="it-IT"/>
-          </a:p>
-          <a:p>
-            <a:pPr lvl="1"/>
+            <a:pPr marL="457200" lvl="1" indent="0">
+              <a:lnSpc>
+                <a:spcPct val="100000"/>
+              </a:lnSpc>
+              <a:buNone/>
+            </a:pPr>
             <a:endParaRPr lang="it-IT" dirty="0"/>
           </a:p>
           <a:p>
-            <a:pPr lvl="1"/>
-            <a:r>
-              <a:rPr lang="it-IT" dirty="0">
-                <a:ea typeface="+mn-lt"/>
-                <a:cs typeface="+mn-lt"/>
-              </a:rPr>
-              <a:t>Cross-</a:t>
-            </a:r>
-            <a:r>
-              <a:rPr lang="it-IT" dirty="0" err="1">
-                <a:ea typeface="+mn-lt"/>
-                <a:cs typeface="+mn-lt"/>
-              </a:rPr>
-              <a:t>validation</a:t>
-            </a:r>
-            <a:r>
-              <a:rPr lang="it-IT" dirty="0">
-                <a:ea typeface="+mn-lt"/>
-                <a:cs typeface="+mn-lt"/>
-              </a:rPr>
-              <a:t> </a:t>
-            </a:r>
-            <a:r>
-              <a:rPr lang="it-IT" dirty="0" err="1">
-                <a:ea typeface="+mn-lt"/>
-                <a:cs typeface="+mn-lt"/>
-              </a:rPr>
-              <a:t>further</a:t>
-            </a:r>
-            <a:r>
-              <a:rPr lang="it-IT" dirty="0">
-                <a:ea typeface="+mn-lt"/>
-                <a:cs typeface="+mn-lt"/>
-              </a:rPr>
-              <a:t> </a:t>
-            </a:r>
-            <a:r>
-              <a:rPr lang="it-IT" dirty="0" err="1">
-                <a:ea typeface="+mn-lt"/>
-                <a:cs typeface="+mn-lt"/>
-              </a:rPr>
-              <a:t>showed</a:t>
-            </a:r>
-            <a:r>
-              <a:rPr lang="it-IT" dirty="0">
-                <a:ea typeface="+mn-lt"/>
-                <a:cs typeface="+mn-lt"/>
-              </a:rPr>
-              <a:t> </a:t>
-            </a:r>
-            <a:r>
-              <a:rPr lang="it-IT" dirty="0" err="1">
-                <a:ea typeface="+mn-lt"/>
-                <a:cs typeface="+mn-lt"/>
-              </a:rPr>
-              <a:t>weak</a:t>
-            </a:r>
-            <a:r>
-              <a:rPr lang="it-IT" dirty="0">
-                <a:ea typeface="+mn-lt"/>
-                <a:cs typeface="+mn-lt"/>
-              </a:rPr>
-              <a:t> </a:t>
-            </a:r>
-            <a:r>
-              <a:rPr lang="it-IT" dirty="0" err="1">
-                <a:ea typeface="+mn-lt"/>
-                <a:cs typeface="+mn-lt"/>
-              </a:rPr>
-              <a:t>accuracy</a:t>
-            </a:r>
-            <a:r>
-              <a:rPr lang="it-IT" dirty="0">
-                <a:ea typeface="+mn-lt"/>
-                <a:cs typeface="+mn-lt"/>
-              </a:rPr>
-              <a:t>, and </a:t>
-            </a:r>
-            <a:r>
-              <a:rPr lang="it-IT" dirty="0" err="1">
-                <a:ea typeface="+mn-lt"/>
-                <a:cs typeface="+mn-lt"/>
-              </a:rPr>
-              <a:t>that</a:t>
-            </a:r>
-            <a:r>
-              <a:rPr lang="it-IT" dirty="0">
-                <a:ea typeface="+mn-lt"/>
-                <a:cs typeface="+mn-lt"/>
-              </a:rPr>
-              <a:t> the model </a:t>
-            </a:r>
-            <a:r>
-              <a:rPr lang="it-IT" dirty="0" err="1">
-                <a:ea typeface="+mn-lt"/>
-                <a:cs typeface="+mn-lt"/>
-              </a:rPr>
-              <a:t>failed</a:t>
-            </a:r>
-            <a:r>
-              <a:rPr lang="it-IT" dirty="0">
-                <a:ea typeface="+mn-lt"/>
-                <a:cs typeface="+mn-lt"/>
-              </a:rPr>
-              <a:t> to </a:t>
-            </a:r>
-            <a:r>
-              <a:rPr lang="it-IT" dirty="0" err="1">
-                <a:ea typeface="+mn-lt"/>
-                <a:cs typeface="+mn-lt"/>
-              </a:rPr>
-              <a:t>generalize</a:t>
-            </a:r>
-            <a:r>
-              <a:rPr lang="it-IT" dirty="0">
-                <a:ea typeface="+mn-lt"/>
-                <a:cs typeface="+mn-lt"/>
-              </a:rPr>
-              <a:t>.</a:t>
-            </a:r>
-            <a:endParaRPr lang="it-IT" dirty="0" err="1"/>
-          </a:p>
-          <a:p>
-            <a:pPr lvl="1"/>
+            <a:pPr lvl="1">
+              <a:lnSpc>
+                <a:spcPct val="100000"/>
+              </a:lnSpc>
+            </a:pPr>
+            <a:r>
+              <a:rPr lang="it-IT" dirty="0">
+                <a:ea typeface="+mn-lt"/>
+                <a:cs typeface="+mn-lt"/>
+              </a:rPr>
+              <a:t>Cross-validation further showed that a very small lambda regularized correctly.</a:t>
+            </a:r>
+            <a:endParaRPr lang="it-IT" dirty="0"/>
+          </a:p>
+          <a:p>
+            <a:pPr lvl="1">
+              <a:lnSpc>
+                <a:spcPct val="100000"/>
+              </a:lnSpc>
+            </a:pPr>
             <a:endParaRPr lang="it-IT" dirty="0"/>
           </a:p>
         </p:txBody>
       </p:sp>
+      <p:pic>
+        <p:nvPicPr>
+          <p:cNvPr id="5" name="Picture 4">
+            <a:extLst>
+              <a:ext uri="{FF2B5EF4-FFF2-40B4-BE49-F238E27FC236}">
+                <a16:creationId xmlns:a16="http://schemas.microsoft.com/office/drawing/2014/main" id="{F9504AA4-3241-F410-A3C2-4B23CEB9E9B2}"/>
+              </a:ext>
+            </a:extLst>
+          </p:cNvPr>
+          <p:cNvPicPr>
+            <a:picLocks noChangeAspect="1"/>
+          </p:cNvPicPr>
+          <p:nvPr/>
+        </p:nvPicPr>
+        <p:blipFill>
+          <a:blip r:embed="rId2"/>
+          <a:stretch>
+            <a:fillRect/>
+          </a:stretch>
+        </p:blipFill>
+        <p:spPr>
+          <a:xfrm>
+            <a:off x="1195048" y="4443046"/>
+            <a:ext cx="3154719" cy="1492858"/>
+          </a:xfrm>
+          <a:prstGeom prst="rect">
+            <a:avLst/>
+          </a:prstGeom>
+        </p:spPr>
+      </p:pic>
     </p:spTree>
     <p:extLst>
       <p:ext uri="{BB962C8B-B14F-4D97-AF65-F5344CB8AC3E}">
@@ -6704,39 +6387,46 @@
       </p:sp>
       <p:pic>
         <p:nvPicPr>
-          <p:cNvPr id="6" name="Segnaposto contenuto 5" descr="Immagine che contiene testo, schermata, Diagramma, diagramma&#10;&#10;Descrizione generata automaticamente">
-            <a:extLst>
-              <a:ext uri="{FF2B5EF4-FFF2-40B4-BE49-F238E27FC236}">
-                <a16:creationId xmlns:a16="http://schemas.microsoft.com/office/drawing/2014/main" id="{C680AC6F-8240-8F65-51D2-6BF4C149065F}"/>
+          <p:cNvPr id="8" name="Picture 7">
+            <a:extLst>
+              <a:ext uri="{FF2B5EF4-FFF2-40B4-BE49-F238E27FC236}">
+                <a16:creationId xmlns:a16="http://schemas.microsoft.com/office/drawing/2014/main" id="{92EBB392-B01B-8358-2DC2-9FFBBDDF2553}"/>
               </a:ext>
             </a:extLst>
           </p:cNvPr>
           <p:cNvPicPr>
-            <a:picLocks noGrp="1" noChangeAspect="1"/>
+            <a:picLocks noChangeAspect="1"/>
           </p:cNvPicPr>
-          <p:nvPr>
-            <p:ph idx="1"/>
-          </p:nvPr>
+          <p:nvPr/>
         </p:nvPicPr>
         <p:blipFill>
-          <a:blip r:embed="rId2"/>
+          <a:blip r:embed="rId2">
+            <a:extLst>
+              <a:ext uri="{28A0092B-C50C-407E-A947-70E740481C1C}">
+                <a14:useLocalDpi xmlns:a14="http://schemas.microsoft.com/office/drawing/2010/main" val="0"/>
+              </a:ext>
+            </a:extLst>
+          </a:blip>
           <a:stretch>
             <a:fillRect/>
           </a:stretch>
         </p:blipFill>
         <p:spPr>
           <a:xfrm>
-            <a:off x="1361342" y="2445474"/>
-            <a:ext cx="4512129" cy="2701332"/>
+            <a:off x="858142" y="2137213"/>
+            <a:ext cx="5188125" cy="3327982"/>
           </a:xfrm>
+          <a:prstGeom prst="rect">
+            <a:avLst/>
+          </a:prstGeom>
         </p:spPr>
       </p:pic>
       <p:pic>
         <p:nvPicPr>
-          <p:cNvPr id="7" name="Immagine 6" descr="Immagine che contiene testo, schermata, Diagramma, diagramma&#10;&#10;Descrizione generata automaticamente">
-            <a:extLst>
-              <a:ext uri="{FF2B5EF4-FFF2-40B4-BE49-F238E27FC236}">
-                <a16:creationId xmlns:a16="http://schemas.microsoft.com/office/drawing/2014/main" id="{135AE89E-6CF1-5960-869C-26DD0AC3C8B4}"/>
+          <p:cNvPr id="10" name="Picture 9">
+            <a:extLst>
+              <a:ext uri="{FF2B5EF4-FFF2-40B4-BE49-F238E27FC236}">
+                <a16:creationId xmlns:a16="http://schemas.microsoft.com/office/drawing/2014/main" id="{356781EF-CBCE-6D73-9A28-215D402EF703}"/>
               </a:ext>
             </a:extLst>
           </p:cNvPr>
@@ -6746,15 +6436,21 @@
           <p:nvPr/>
         </p:nvPicPr>
         <p:blipFill>
-          <a:blip r:embed="rId3"/>
+          <a:blip r:embed="rId3">
+            <a:extLst>
+              <a:ext uri="{28A0092B-C50C-407E-A947-70E740481C1C}">
+                <a14:useLocalDpi xmlns:a14="http://schemas.microsoft.com/office/drawing/2010/main" val="0"/>
+              </a:ext>
+            </a:extLst>
+          </a:blip>
           <a:stretch>
             <a:fillRect/>
           </a:stretch>
         </p:blipFill>
         <p:spPr>
           <a:xfrm>
-            <a:off x="6324914" y="2379889"/>
-            <a:ext cx="5026898" cy="2826727"/>
+            <a:off x="6046267" y="2137213"/>
+            <a:ext cx="5188124" cy="3327982"/>
           </a:xfrm>
           <a:prstGeom prst="rect">
             <a:avLst/>
@@ -6821,10 +6517,10 @@
       </p:sp>
       <p:pic>
         <p:nvPicPr>
-          <p:cNvPr id="5" name="Immagine 4" descr="Immagine che contiene testo, diagramma, linea, Diagramma&#10;&#10;Descrizione generata automaticamente">
-            <a:extLst>
-              <a:ext uri="{FF2B5EF4-FFF2-40B4-BE49-F238E27FC236}">
-                <a16:creationId xmlns:a16="http://schemas.microsoft.com/office/drawing/2014/main" id="{90B114C1-E7AC-8C2E-7D9A-A494E4395AD2}"/>
+          <p:cNvPr id="4" name="Picture 3">
+            <a:extLst>
+              <a:ext uri="{FF2B5EF4-FFF2-40B4-BE49-F238E27FC236}">
+                <a16:creationId xmlns:a16="http://schemas.microsoft.com/office/drawing/2014/main" id="{0074BB14-8D81-8905-9192-5222A2B6292D}"/>
               </a:ext>
             </a:extLst>
           </p:cNvPr>
@@ -6834,15 +6530,20 @@
           <p:nvPr/>
         </p:nvPicPr>
         <p:blipFill>
-          <a:blip r:embed="rId2"/>
-          <a:stretch>
-            <a:fillRect/>
-          </a:stretch>
+          <a:blip r:embed="rId2">
+            <a:extLst>
+              <a:ext uri="{28A0092B-C50C-407E-A947-70E740481C1C}">
+                <a14:useLocalDpi xmlns:a14="http://schemas.microsoft.com/office/drawing/2010/main" val="0"/>
+              </a:ext>
+            </a:extLst>
+          </a:blip>
+          <a:srcRect t="8536"/>
+          <a:stretch/>
         </p:blipFill>
         <p:spPr>
           <a:xfrm>
-            <a:off x="1924050" y="1807343"/>
-            <a:ext cx="7952414" cy="4045417"/>
+            <a:off x="1844839" y="2082110"/>
+            <a:ext cx="8402856" cy="3642778"/>
           </a:xfrm>
           <a:prstGeom prst="rect">
             <a:avLst/>
@@ -6867,7 +6568,13 @@
   <p:cSld>
     <p:spTree>
       <p:nvGrpSpPr>
-        <p:cNvPr id="1" name=""/>
+        <p:cNvPr id="1" name="">
+          <a:extLst>
+            <a:ext uri="{FF2B5EF4-FFF2-40B4-BE49-F238E27FC236}">
+              <a16:creationId xmlns:a16="http://schemas.microsoft.com/office/drawing/2014/main" id="{9796B220-C08E-A176-BCE3-696BA3AA0824}"/>
+            </a:ext>
+          </a:extLst>
+        </p:cNvPr>
         <p:cNvGrpSpPr/>
         <p:nvPr/>
       </p:nvGrpSpPr>
@@ -6884,7 +6591,7 @@
           <p:cNvPr id="2" name="Titolo 1">
             <a:extLst>
               <a:ext uri="{FF2B5EF4-FFF2-40B4-BE49-F238E27FC236}">
-                <a16:creationId xmlns:a16="http://schemas.microsoft.com/office/drawing/2014/main" id="{DBFE1A6B-0AB9-4EB0-C561-10D62C4249C9}"/>
+                <a16:creationId xmlns:a16="http://schemas.microsoft.com/office/drawing/2014/main" id="{188F91B3-5145-81B4-0717-2D4B0935DCF8}"/>
               </a:ext>
             </a:extLst>
           </p:cNvPr>
@@ -6909,10 +6616,10 @@
       </p:sp>
       <p:pic>
         <p:nvPicPr>
-          <p:cNvPr id="3" name="Immagine 2" descr="Immagine che contiene testo, schermata, Carattere, linea&#10;&#10;Descrizione generata automaticamente">
-            <a:extLst>
-              <a:ext uri="{FF2B5EF4-FFF2-40B4-BE49-F238E27FC236}">
-                <a16:creationId xmlns:a16="http://schemas.microsoft.com/office/drawing/2014/main" id="{86556B58-DAE9-A971-F803-0CEAD4E6B4B4}"/>
+          <p:cNvPr id="7" name="Picture 6">
+            <a:extLst>
+              <a:ext uri="{FF2B5EF4-FFF2-40B4-BE49-F238E27FC236}">
+                <a16:creationId xmlns:a16="http://schemas.microsoft.com/office/drawing/2014/main" id="{B3D4465C-8689-E841-425C-B884E3A9ABE4}"/>
               </a:ext>
             </a:extLst>
           </p:cNvPr>
@@ -6922,15 +6629,21 @@
           <p:nvPr/>
         </p:nvPicPr>
         <p:blipFill>
-          <a:blip r:embed="rId2"/>
+          <a:blip r:embed="rId2">
+            <a:extLst>
+              <a:ext uri="{28A0092B-C50C-407E-A947-70E740481C1C}">
+                <a14:useLocalDpi xmlns:a14="http://schemas.microsoft.com/office/drawing/2010/main" val="0"/>
+              </a:ext>
+            </a:extLst>
+          </a:blip>
           <a:stretch>
             <a:fillRect/>
           </a:stretch>
         </p:blipFill>
         <p:spPr>
           <a:xfrm>
-            <a:off x="3823921" y="1716855"/>
-            <a:ext cx="4544158" cy="4211411"/>
+            <a:off x="2775097" y="1675442"/>
+            <a:ext cx="6641805" cy="4260462"/>
           </a:xfrm>
           <a:prstGeom prst="rect">
             <a:avLst/>
@@ -6940,7 +6653,7 @@
     </p:spTree>
     <p:extLst>
       <p:ext uri="{BB962C8B-B14F-4D97-AF65-F5344CB8AC3E}">
-        <p14:creationId xmlns:p14="http://schemas.microsoft.com/office/powerpoint/2010/main" val="2907868741"/>
+        <p14:creationId xmlns:p14="http://schemas.microsoft.com/office/powerpoint/2010/main" val="4109635651"/>
       </p:ext>
     </p:extLst>
   </p:cSld>
@@ -7302,88 +7015,11 @@
           <a:p>
             <a:pPr marL="342900" indent="-342900"/>
             <a:r>
-              <a:rPr lang="it-IT" err="1">
-                <a:ea typeface="+mn-lt"/>
-                <a:cs typeface="+mn-lt"/>
-              </a:rPr>
-              <a:t>Grouping</a:t>
-            </a:r>
-            <a:r>
-              <a:rPr lang="it-IT" dirty="0">
-                <a:ea typeface="+mn-lt"/>
-                <a:cs typeface="+mn-lt"/>
-              </a:rPr>
-              <a:t> </a:t>
-            </a:r>
-            <a:r>
-              <a:rPr lang="it-IT" err="1">
-                <a:ea typeface="+mn-lt"/>
-                <a:cs typeface="+mn-lt"/>
-              </a:rPr>
-              <a:t>does</a:t>
-            </a:r>
-            <a:r>
-              <a:rPr lang="it-IT" dirty="0">
-                <a:ea typeface="+mn-lt"/>
-                <a:cs typeface="+mn-lt"/>
-              </a:rPr>
-              <a:t> </a:t>
-            </a:r>
-            <a:r>
-              <a:rPr lang="it-IT" err="1">
-                <a:ea typeface="+mn-lt"/>
-                <a:cs typeface="+mn-lt"/>
-              </a:rPr>
-              <a:t>not</a:t>
-            </a:r>
-            <a:r>
-              <a:rPr lang="it-IT" dirty="0">
-                <a:ea typeface="+mn-lt"/>
-                <a:cs typeface="+mn-lt"/>
-              </a:rPr>
-              <a:t> </a:t>
-            </a:r>
-            <a:r>
-              <a:rPr lang="it-IT" err="1">
-                <a:ea typeface="+mn-lt"/>
-                <a:cs typeface="+mn-lt"/>
-              </a:rPr>
-              <a:t>align</a:t>
-            </a:r>
-            <a:r>
-              <a:rPr lang="it-IT" dirty="0">
-                <a:ea typeface="+mn-lt"/>
-                <a:cs typeface="+mn-lt"/>
-              </a:rPr>
-              <a:t> with the </a:t>
-            </a:r>
-            <a:r>
-              <a:rPr lang="it-IT" err="1">
-                <a:ea typeface="+mn-lt"/>
-                <a:cs typeface="+mn-lt"/>
-              </a:rPr>
-              <a:t>dataset’s</a:t>
-            </a:r>
-            <a:r>
-              <a:rPr lang="it-IT" dirty="0">
-                <a:ea typeface="+mn-lt"/>
-                <a:cs typeface="+mn-lt"/>
-              </a:rPr>
-              <a:t> </a:t>
-            </a:r>
-            <a:r>
-              <a:rPr lang="it-IT" err="1">
-                <a:ea typeface="+mn-lt"/>
-                <a:cs typeface="+mn-lt"/>
-              </a:rPr>
-              <a:t>structure</a:t>
-            </a:r>
-            <a:r>
-              <a:rPr lang="it-IT">
-                <a:ea typeface="+mn-lt"/>
-                <a:cs typeface="+mn-lt"/>
-              </a:rPr>
-              <a:t>.</a:t>
+              <a:rPr lang="it-IT" dirty="0">
+                <a:ea typeface="+mn-lt"/>
+                <a:cs typeface="+mn-lt"/>
+              </a:rPr>
+              <a:t>Grouping does not align with the dataset’s structure.</a:t>
             </a:r>
             <a:endParaRPr lang="it-IT" dirty="0"/>
           </a:p>
@@ -8151,10 +7787,9 @@
               <a:buNone/>
             </a:pPr>
             <a:r>
-              <a:rPr lang="it-IT" b="1" err="1"/>
+              <a:rPr lang="it-IT" b="1" dirty="0"/>
               <a:t>Interpretation</a:t>
             </a:r>
-            <a:endParaRPr lang="it-IT" b="1"/>
           </a:p>
           <a:p>
             <a:pPr marL="0" indent="0">
@@ -8206,7 +7841,9 @@
             </a:r>
           </a:p>
           <a:p>
-            <a:pPr marL="342900" indent="-342900"/>
+            <a:pPr marL="0" indent="0">
+              <a:buNone/>
+            </a:pPr>
             <a:endParaRPr lang="it-IT" sz="1800" dirty="0">
               <a:solidFill>
                 <a:srgbClr val="000000"/>
@@ -8221,146 +7858,7 @@
                   <a:srgbClr val="000000"/>
                 </a:solidFill>
               </a:rPr>
-              <a:t>The dataset </a:t>
-            </a:r>
-            <a:r>
-              <a:rPr lang="it-IT" sz="1800" dirty="0" err="1">
-                <a:solidFill>
-                  <a:srgbClr val="000000"/>
-                </a:solidFill>
-              </a:rPr>
-              <a:t>is</a:t>
-            </a:r>
-            <a:r>
-              <a:rPr lang="it-IT" sz="1800" dirty="0">
-                <a:solidFill>
-                  <a:srgbClr val="000000"/>
-                </a:solidFill>
-              </a:rPr>
-              <a:t> </a:t>
-            </a:r>
-            <a:r>
-              <a:rPr lang="it-IT" sz="1800" dirty="0" err="1">
-                <a:solidFill>
-                  <a:srgbClr val="000000"/>
-                </a:solidFill>
-              </a:rPr>
-              <a:t>actually</a:t>
-            </a:r>
-            <a:r>
-              <a:rPr lang="it-IT" sz="1800" dirty="0">
-                <a:solidFill>
-                  <a:srgbClr val="000000"/>
-                </a:solidFill>
-              </a:rPr>
-              <a:t> </a:t>
-            </a:r>
-            <a:r>
-              <a:rPr lang="it-IT" sz="1800" dirty="0" err="1">
-                <a:solidFill>
-                  <a:srgbClr val="000000"/>
-                </a:solidFill>
-              </a:rPr>
-              <a:t>not</a:t>
-            </a:r>
-            <a:r>
-              <a:rPr lang="it-IT" sz="1800" dirty="0">
-                <a:solidFill>
-                  <a:srgbClr val="000000"/>
-                </a:solidFill>
-              </a:rPr>
-              <a:t> '</a:t>
-            </a:r>
-            <a:r>
-              <a:rPr lang="it-IT" sz="1800" dirty="0" err="1">
-                <a:solidFill>
-                  <a:srgbClr val="000000"/>
-                </a:solidFill>
-              </a:rPr>
-              <a:t>corrupted</a:t>
-            </a:r>
-            <a:r>
-              <a:rPr lang="it-IT" sz="1800" dirty="0">
-                <a:solidFill>
-                  <a:srgbClr val="000000"/>
-                </a:solidFill>
-              </a:rPr>
-              <a:t>'.</a:t>
-            </a:r>
-          </a:p>
-          <a:p>
-            <a:pPr marL="342900" indent="-342900"/>
-            <a:endParaRPr lang="it-IT" sz="1800" dirty="0">
-              <a:solidFill>
-                <a:srgbClr val="000000"/>
-              </a:solidFill>
-            </a:endParaRPr>
-          </a:p>
-          <a:p>
-            <a:pPr marL="342900" indent="-342900"/>
-            <a:r>
-              <a:rPr lang="it-IT" sz="1800" dirty="0" err="1">
-                <a:solidFill>
-                  <a:srgbClr val="000000"/>
-                </a:solidFill>
-              </a:rPr>
-              <a:t>We</a:t>
-            </a:r>
-            <a:r>
-              <a:rPr lang="it-IT" sz="1800" dirty="0">
-                <a:solidFill>
-                  <a:srgbClr val="000000"/>
-                </a:solidFill>
-              </a:rPr>
-              <a:t> </a:t>
-            </a:r>
-            <a:r>
-              <a:rPr lang="it-IT" sz="1800" dirty="0" err="1">
-                <a:solidFill>
-                  <a:srgbClr val="000000"/>
-                </a:solidFill>
-              </a:rPr>
-              <a:t>don't</a:t>
-            </a:r>
-            <a:r>
-              <a:rPr lang="it-IT" sz="1800" dirty="0">
-                <a:solidFill>
-                  <a:srgbClr val="000000"/>
-                </a:solidFill>
-              </a:rPr>
-              <a:t> </a:t>
-            </a:r>
-            <a:r>
-              <a:rPr lang="it-IT" sz="1800" dirty="0" err="1">
-                <a:solidFill>
-                  <a:srgbClr val="000000"/>
-                </a:solidFill>
-              </a:rPr>
-              <a:t>need</a:t>
-            </a:r>
-            <a:r>
-              <a:rPr lang="it-IT" sz="1800" dirty="0">
-                <a:solidFill>
-                  <a:srgbClr val="000000"/>
-                </a:solidFill>
-              </a:rPr>
-              <a:t> </a:t>
-            </a:r>
-            <a:r>
-              <a:rPr lang="it-IT" sz="1800" dirty="0" err="1">
-                <a:solidFill>
-                  <a:srgbClr val="000000"/>
-                </a:solidFill>
-              </a:rPr>
-              <a:t>nonlinear</a:t>
-            </a:r>
-            <a:r>
-              <a:rPr lang="it-IT" sz="1800" dirty="0">
-                <a:solidFill>
-                  <a:srgbClr val="000000"/>
-                </a:solidFill>
-              </a:rPr>
-              <a:t> models to make a model work.</a:t>
+              <a:t>We don't need fancy models to do predictions with this dataset.</a:t>
             </a:r>
           </a:p>
           <a:p>
@@ -8569,98 +8067,14 @@
                 <a:ea typeface="+mn-lt"/>
                 <a:cs typeface="+mn-lt"/>
               </a:rPr>
-              <a:t>Poisson </a:t>
-            </a:r>
-            <a:r>
-              <a:rPr lang="it-IT" b="1" dirty="0" err="1">
-                <a:ea typeface="+mn-lt"/>
-                <a:cs typeface="+mn-lt"/>
-              </a:rPr>
-              <a:t>Regression</a:t>
-            </a:r>
-            <a:r>
-              <a:rPr lang="it-IT" b="1" dirty="0">
-                <a:ea typeface="+mn-lt"/>
-                <a:cs typeface="+mn-lt"/>
-              </a:rPr>
-              <a:t> (</a:t>
-            </a:r>
-            <a:r>
-              <a:rPr lang="it-IT" b="1" dirty="0" err="1">
-                <a:ea typeface="+mn-lt"/>
-                <a:cs typeface="+mn-lt"/>
-              </a:rPr>
-              <a:t>Elastic</a:t>
-            </a:r>
-            <a:r>
-              <a:rPr lang="it-IT" b="1" dirty="0">
-                <a:ea typeface="+mn-lt"/>
-                <a:cs typeface="+mn-lt"/>
-              </a:rPr>
-              <a:t> Net):</a:t>
-            </a:r>
-            <a:r>
-              <a:rPr lang="it-IT" dirty="0">
-                <a:ea typeface="+mn-lt"/>
-                <a:cs typeface="+mn-lt"/>
-              </a:rPr>
-              <a:t> </a:t>
-            </a:r>
-            <a:r>
-              <a:rPr lang="it-IT" dirty="0" err="1">
-                <a:ea typeface="+mn-lt"/>
-                <a:cs typeface="+mn-lt"/>
-              </a:rPr>
-              <a:t>nice</a:t>
-            </a:r>
-            <a:r>
-              <a:rPr lang="it-IT" dirty="0">
-                <a:ea typeface="+mn-lt"/>
-                <a:cs typeface="+mn-lt"/>
-              </a:rPr>
-              <a:t> </a:t>
-            </a:r>
-            <a:r>
-              <a:rPr lang="it-IT" dirty="0" err="1">
-                <a:ea typeface="+mn-lt"/>
-                <a:cs typeface="+mn-lt"/>
-              </a:rPr>
-              <a:t>sparsity</a:t>
-            </a:r>
-            <a:r>
-              <a:rPr lang="it-IT" dirty="0">
-                <a:ea typeface="+mn-lt"/>
-                <a:cs typeface="+mn-lt"/>
-              </a:rPr>
-              <a:t> and </a:t>
-            </a:r>
-            <a:r>
-              <a:rPr lang="it-IT" dirty="0" err="1">
-                <a:ea typeface="+mn-lt"/>
-                <a:cs typeface="+mn-lt"/>
-              </a:rPr>
-              <a:t>great</a:t>
-            </a:r>
-            <a:r>
-              <a:rPr lang="it-IT" dirty="0">
-                <a:ea typeface="+mn-lt"/>
-                <a:cs typeface="+mn-lt"/>
-              </a:rPr>
-              <a:t> </a:t>
-            </a:r>
-            <a:r>
-              <a:rPr lang="it-IT" dirty="0" err="1">
-                <a:ea typeface="+mn-lt"/>
-                <a:cs typeface="+mn-lt"/>
-              </a:rPr>
-              <a:t>accuracy</a:t>
-            </a:r>
-            <a:r>
-              <a:rPr lang="it-IT" dirty="0">
-                <a:ea typeface="+mn-lt"/>
-                <a:cs typeface="+mn-lt"/>
-              </a:rPr>
-              <a:t>.</a:t>
+              <a:t>Poisson Regression (Elastic Net):</a:t>
+            </a:r>
+            <a:r>
+              <a:rPr lang="it-IT" dirty="0">
+                <a:ea typeface="+mn-lt"/>
+                <a:cs typeface="+mn-lt"/>
+              </a:rPr>
+              <a:t> Nice sparsity and great accuracy.</a:t>
             </a:r>
             <a:endParaRPr lang="it-IT" dirty="0"/>
           </a:p>
@@ -8682,21 +8096,7 @@
                 <a:ea typeface="+mn-lt"/>
                 <a:cs typeface="+mn-lt"/>
               </a:rPr>
-              <a:t> </a:t>
-            </a:r>
-            <a:r>
-              <a:rPr lang="it-IT" err="1">
-                <a:ea typeface="+mn-lt"/>
-                <a:cs typeface="+mn-lt"/>
-              </a:rPr>
-              <a:t>Ineffective</a:t>
-            </a:r>
-            <a:r>
-              <a:rPr lang="it-IT" dirty="0">
-                <a:ea typeface="+mn-lt"/>
-                <a:cs typeface="+mn-lt"/>
-              </a:rPr>
-              <a:t>.</a:t>
+              <a:t> Effective but with no benefits.</a:t>
             </a:r>
             <a:endParaRPr lang="it-IT" dirty="0"/>
           </a:p>
@@ -9108,105 +8508,7 @@
                 <a:ea typeface="+mn-lt"/>
                 <a:cs typeface="+mn-lt"/>
               </a:rPr>
-              <a:t>The </a:t>
-            </a:r>
-            <a:r>
-              <a:rPr lang="it-IT" dirty="0" err="1">
-                <a:ea typeface="+mn-lt"/>
-                <a:cs typeface="+mn-lt"/>
-              </a:rPr>
-              <a:t>grouped</a:t>
-            </a:r>
-            <a:r>
-              <a:rPr lang="it-IT" dirty="0">
-                <a:ea typeface="+mn-lt"/>
-                <a:cs typeface="+mn-lt"/>
-              </a:rPr>
-              <a:t> </a:t>
-            </a:r>
-            <a:r>
-              <a:rPr lang="it-IT" dirty="0" err="1">
-                <a:ea typeface="+mn-lt"/>
-                <a:cs typeface="+mn-lt"/>
-              </a:rPr>
-              <a:t>regression</a:t>
-            </a:r>
-            <a:r>
-              <a:rPr lang="it-IT" dirty="0">
-                <a:ea typeface="+mn-lt"/>
-                <a:cs typeface="+mn-lt"/>
-              </a:rPr>
-              <a:t> models </a:t>
-            </a:r>
-            <a:r>
-              <a:rPr lang="it-IT" dirty="0" err="1">
-                <a:ea typeface="+mn-lt"/>
-                <a:cs typeface="+mn-lt"/>
-              </a:rPr>
-              <a:t>failed</a:t>
-            </a:r>
-            <a:r>
-              <a:rPr lang="it-IT" dirty="0">
-                <a:ea typeface="+mn-lt"/>
-                <a:cs typeface="+mn-lt"/>
-              </a:rPr>
-              <a:t>, </a:t>
-            </a:r>
-            <a:r>
-              <a:rPr lang="it-IT" dirty="0" err="1">
-                <a:ea typeface="+mn-lt"/>
-                <a:cs typeface="+mn-lt"/>
-              </a:rPr>
-              <a:t>likely</a:t>
-            </a:r>
-            <a:r>
-              <a:rPr lang="it-IT" dirty="0">
-                <a:ea typeface="+mn-lt"/>
-                <a:cs typeface="+mn-lt"/>
-              </a:rPr>
-              <a:t> due to the </a:t>
-            </a:r>
-            <a:r>
-              <a:rPr lang="it-IT" dirty="0" err="1">
-                <a:ea typeface="+mn-lt"/>
-                <a:cs typeface="+mn-lt"/>
-              </a:rPr>
-              <a:t>specific</a:t>
-            </a:r>
-            <a:r>
-              <a:rPr lang="it-IT" dirty="0">
-                <a:ea typeface="+mn-lt"/>
-                <a:cs typeface="+mn-lt"/>
-              </a:rPr>
-              <a:t> </a:t>
-            </a:r>
-            <a:r>
-              <a:rPr lang="it-IT" dirty="0" err="1">
-                <a:ea typeface="+mn-lt"/>
-                <a:cs typeface="+mn-lt"/>
-              </a:rPr>
-              <a:t>structure</a:t>
-            </a:r>
-            <a:r>
-              <a:rPr lang="it-IT" dirty="0">
-                <a:ea typeface="+mn-lt"/>
-                <a:cs typeface="+mn-lt"/>
-              </a:rPr>
-              <a:t> of the </a:t>
-            </a:r>
-            <a:r>
-              <a:rPr lang="it-IT" dirty="0" err="1">
-                <a:ea typeface="+mn-lt"/>
-                <a:cs typeface="+mn-lt"/>
-              </a:rPr>
-              <a:t>chosen</a:t>
-            </a:r>
-            <a:r>
-              <a:rPr lang="it-IT" dirty="0">
-                <a:ea typeface="+mn-lt"/>
-                <a:cs typeface="+mn-lt"/>
-              </a:rPr>
-              <a:t> data.</a:t>
+              <a:t>The grouped regularization did not improve the predictions, likely due to the specific structure of the chosen data.</a:t>
             </a:r>
             <a:endParaRPr lang="it-IT" dirty="0"/>
           </a:p>
